--- a/pres-source/02-map-reduce.pptx
+++ b/pres-source/02-map-reduce.pptx
@@ -5,7 +5,7 @@
     <p:sldMasterId id="2147483648" r:id="rId1"/>
   </p:sldMasterIdLst>
   <p:notesMasterIdLst>
-    <p:notesMasterId r:id="rId26"/>
+    <p:notesMasterId r:id="rId19"/>
   </p:notesMasterIdLst>
   <p:sldIdLst>
     <p:sldId id="256" r:id="rId2"/>
@@ -23,15 +23,8 @@
     <p:sldId id="298" r:id="rId14"/>
     <p:sldId id="263" r:id="rId15"/>
     <p:sldId id="264" r:id="rId16"/>
-    <p:sldId id="265" r:id="rId17"/>
-    <p:sldId id="286" r:id="rId18"/>
-    <p:sldId id="266" r:id="rId19"/>
-    <p:sldId id="276" r:id="rId20"/>
-    <p:sldId id="278" r:id="rId21"/>
-    <p:sldId id="302" r:id="rId22"/>
-    <p:sldId id="303" r:id="rId23"/>
-    <p:sldId id="304" r:id="rId24"/>
-    <p:sldId id="305" r:id="rId25"/>
+    <p:sldId id="276" r:id="rId17"/>
+    <p:sldId id="278" r:id="rId18"/>
   </p:sldIdLst>
   <p:sldSz cx="9144000" cy="6858000" type="screen4x3"/>
   <p:notesSz cx="6858000" cy="9144000"/>
@@ -4696,14 +4689,12 @@
         </p:nvSpPr>
         <p:spPr/>
         <p:txBody>
-          <a:bodyPr>
-            <a:normAutofit/>
-          </a:bodyPr>
-          <a:lstStyle/>
-          <a:p>
-            <a:r>
-              <a:rPr lang="en-US" dirty="0" smtClean="0"/>
-              <a:t>HDFS in a nutshell</a:t>
+          <a:bodyPr/>
+          <a:lstStyle/>
+          <a:p>
+            <a:r>
+              <a:rPr lang="en-US" dirty="0" smtClean="0"/>
+              <a:t>Summary</a:t>
             </a:r>
             <a:endParaRPr lang="en-US" dirty="0"/>
           </a:p>
@@ -4711,694 +4702,53 @@
       </p:sp>
       <p:sp>
         <p:nvSpPr>
-          <p:cNvPr id="5" name="Rounded Rectangle 4"/>
-          <p:cNvSpPr/>
-          <p:nvPr/>
-        </p:nvSpPr>
-        <p:spPr>
-          <a:xfrm>
-            <a:off x="966341" y="1918997"/>
-            <a:ext cx="1421901" cy="1283934"/>
-          </a:xfrm>
-          <a:prstGeom prst="roundRect">
-            <a:avLst/>
-          </a:prstGeom>
-        </p:spPr>
-        <p:style>
-          <a:lnRef idx="1">
-            <a:schemeClr val="accent1"/>
-          </a:lnRef>
-          <a:fillRef idx="3">
-            <a:schemeClr val="accent1"/>
-          </a:fillRef>
-          <a:effectRef idx="2">
-            <a:schemeClr val="accent1"/>
-          </a:effectRef>
-          <a:fontRef idx="minor">
-            <a:schemeClr val="lt1"/>
-          </a:fontRef>
-        </p:style>
-        <p:txBody>
-          <a:bodyPr rtlCol="0" anchor="ctr"/>
-          <a:lstStyle/>
-          <a:p>
-            <a:pPr algn="ctr"/>
-            <a:r>
-              <a:rPr lang="en-US" dirty="0" smtClean="0"/>
-              <a:t>Client</a:t>
-            </a:r>
-            <a:endParaRPr lang="en-US" dirty="0"/>
-          </a:p>
-        </p:txBody>
-      </p:sp>
-      <p:sp>
-        <p:nvSpPr>
-          <p:cNvPr id="6" name="Rounded Rectangle 5"/>
-          <p:cNvSpPr/>
-          <p:nvPr/>
-        </p:nvSpPr>
-        <p:spPr>
-          <a:xfrm>
-            <a:off x="4349080" y="1918997"/>
-            <a:ext cx="1421901" cy="1283934"/>
-          </a:xfrm>
-          <a:prstGeom prst="roundRect">
-            <a:avLst/>
-          </a:prstGeom>
-        </p:spPr>
-        <p:style>
-          <a:lnRef idx="1">
-            <a:schemeClr val="accent1"/>
-          </a:lnRef>
-          <a:fillRef idx="3">
-            <a:schemeClr val="accent1"/>
-          </a:fillRef>
-          <a:effectRef idx="2">
-            <a:schemeClr val="accent1"/>
-          </a:effectRef>
-          <a:fontRef idx="minor">
-            <a:schemeClr val="lt1"/>
-          </a:fontRef>
-        </p:style>
-        <p:txBody>
-          <a:bodyPr rtlCol="0" anchor="ctr"/>
-          <a:lstStyle/>
-          <a:p>
-            <a:pPr algn="ctr"/>
+          <p:cNvPr id="3" name="Content Placeholder 2"/>
+          <p:cNvSpPr>
+            <a:spLocks noGrp="1"/>
+          </p:cNvSpPr>
+          <p:nvPr>
+            <p:ph idx="1"/>
+          </p:nvPr>
+        </p:nvSpPr>
+        <p:spPr/>
+        <p:txBody>
+          <a:bodyPr/>
+          <a:lstStyle/>
+          <a:p>
+            <a:r>
+              <a:rPr lang="en-US" dirty="0" smtClean="0"/>
+              <a:t>Understanding the Map Reduce Model</a:t>
+            </a:r>
+          </a:p>
+          <a:p>
+            <a:r>
+              <a:rPr lang="en-US" dirty="0" smtClean="0"/>
+              <a:t>How is it implemented in </a:t>
+            </a:r>
             <a:r>
               <a:rPr lang="en-US" dirty="0" err="1" smtClean="0"/>
-              <a:t>NameNode</a:t>
-            </a:r>
-            <a:endParaRPr lang="en-US" dirty="0"/>
-          </a:p>
-        </p:txBody>
-      </p:sp>
-      <p:sp>
-        <p:nvSpPr>
-          <p:cNvPr id="7" name="Rounded Rectangle 6"/>
-          <p:cNvSpPr/>
-          <p:nvPr/>
-        </p:nvSpPr>
-        <p:spPr>
-          <a:xfrm>
-            <a:off x="1677291" y="4156064"/>
-            <a:ext cx="1421901" cy="1283934"/>
-          </a:xfrm>
-          <a:prstGeom prst="roundRect">
-            <a:avLst/>
-          </a:prstGeom>
-        </p:spPr>
-        <p:style>
-          <a:lnRef idx="1">
-            <a:schemeClr val="accent1"/>
-          </a:lnRef>
-          <a:fillRef idx="3">
-            <a:schemeClr val="accent1"/>
-          </a:fillRef>
-          <a:effectRef idx="2">
-            <a:schemeClr val="accent1"/>
-          </a:effectRef>
-          <a:fontRef idx="minor">
-            <a:schemeClr val="lt1"/>
-          </a:fontRef>
-        </p:style>
-        <p:txBody>
-          <a:bodyPr rtlCol="0" anchor="ctr"/>
-          <a:lstStyle/>
-          <a:p>
-            <a:pPr algn="ctr"/>
-            <a:r>
-              <a:rPr lang="en-US" dirty="0" err="1" smtClean="0"/>
-              <a:t>DataNode</a:t>
-            </a:r>
-            <a:endParaRPr lang="en-US" dirty="0"/>
-          </a:p>
-        </p:txBody>
-      </p:sp>
-      <p:sp>
-        <p:nvSpPr>
-          <p:cNvPr id="8" name="Rounded Rectangle 7"/>
-          <p:cNvSpPr/>
-          <p:nvPr/>
-        </p:nvSpPr>
-        <p:spPr>
-          <a:xfrm>
-            <a:off x="3505889" y="4156064"/>
-            <a:ext cx="1421901" cy="1283934"/>
-          </a:xfrm>
-          <a:prstGeom prst="roundRect">
-            <a:avLst/>
-          </a:prstGeom>
-        </p:spPr>
-        <p:style>
-          <a:lnRef idx="1">
-            <a:schemeClr val="accent1"/>
-          </a:lnRef>
-          <a:fillRef idx="3">
-            <a:schemeClr val="accent1"/>
-          </a:fillRef>
-          <a:effectRef idx="2">
-            <a:schemeClr val="accent1"/>
-          </a:effectRef>
-          <a:fontRef idx="minor">
-            <a:schemeClr val="lt1"/>
-          </a:fontRef>
-        </p:style>
-        <p:txBody>
-          <a:bodyPr rtlCol="0" anchor="ctr"/>
-          <a:lstStyle/>
-          <a:p>
-            <a:pPr algn="ctr"/>
-            <a:r>
-              <a:rPr lang="en-US" dirty="0" err="1" smtClean="0"/>
-              <a:t>DataNode</a:t>
-            </a:r>
-            <a:endParaRPr lang="en-US" dirty="0"/>
-          </a:p>
-        </p:txBody>
-      </p:sp>
-      <p:sp>
-        <p:nvSpPr>
-          <p:cNvPr id="9" name="Rounded Rectangle 8"/>
-          <p:cNvSpPr/>
-          <p:nvPr/>
-        </p:nvSpPr>
-        <p:spPr>
-          <a:xfrm>
-            <a:off x="5334487" y="4156064"/>
-            <a:ext cx="1421901" cy="1283934"/>
-          </a:xfrm>
-          <a:prstGeom prst="roundRect">
-            <a:avLst/>
-          </a:prstGeom>
-        </p:spPr>
-        <p:style>
-          <a:lnRef idx="1">
-            <a:schemeClr val="accent1"/>
-          </a:lnRef>
-          <a:fillRef idx="3">
-            <a:schemeClr val="accent1"/>
-          </a:fillRef>
-          <a:effectRef idx="2">
-            <a:schemeClr val="accent1"/>
-          </a:effectRef>
-          <a:fontRef idx="minor">
-            <a:schemeClr val="lt1"/>
-          </a:fontRef>
-        </p:style>
-        <p:txBody>
-          <a:bodyPr rtlCol="0" anchor="ctr"/>
-          <a:lstStyle/>
-          <a:p>
-            <a:pPr algn="ctr"/>
-            <a:r>
-              <a:rPr lang="en-US" dirty="0" err="1" smtClean="0"/>
-              <a:t>DataNode</a:t>
-            </a:r>
-            <a:endParaRPr lang="en-US" dirty="0"/>
-          </a:p>
-        </p:txBody>
-      </p:sp>
-      <p:sp>
-        <p:nvSpPr>
-          <p:cNvPr id="10" name="Rounded Rectangle 9"/>
-          <p:cNvSpPr/>
-          <p:nvPr/>
-        </p:nvSpPr>
-        <p:spPr>
-          <a:xfrm>
-            <a:off x="7163085" y="4156064"/>
-            <a:ext cx="1421901" cy="1283934"/>
-          </a:xfrm>
-          <a:prstGeom prst="roundRect">
-            <a:avLst/>
-          </a:prstGeom>
-        </p:spPr>
-        <p:style>
-          <a:lnRef idx="1">
-            <a:schemeClr val="accent1"/>
-          </a:lnRef>
-          <a:fillRef idx="3">
-            <a:schemeClr val="accent1"/>
-          </a:fillRef>
-          <a:effectRef idx="2">
-            <a:schemeClr val="accent1"/>
-          </a:effectRef>
-          <a:fontRef idx="minor">
-            <a:schemeClr val="lt1"/>
-          </a:fontRef>
-        </p:style>
-        <p:txBody>
-          <a:bodyPr rtlCol="0" anchor="ctr"/>
-          <a:lstStyle/>
-          <a:p>
-            <a:pPr algn="ctr"/>
-            <a:r>
-              <a:rPr lang="en-US" dirty="0" err="1" smtClean="0"/>
-              <a:t>DataNode</a:t>
-            </a:r>
-            <a:endParaRPr lang="en-US" dirty="0"/>
-          </a:p>
-        </p:txBody>
-      </p:sp>
-      <p:sp>
-        <p:nvSpPr>
-          <p:cNvPr id="11" name="Rounded Rectangle 10"/>
-          <p:cNvSpPr/>
-          <p:nvPr/>
-        </p:nvSpPr>
-        <p:spPr>
-          <a:xfrm>
-            <a:off x="7163084" y="1918997"/>
-            <a:ext cx="1421901" cy="1283934"/>
-          </a:xfrm>
-          <a:prstGeom prst="roundRect">
-            <a:avLst/>
-          </a:prstGeom>
-        </p:spPr>
-        <p:style>
-          <a:lnRef idx="1">
-            <a:schemeClr val="accent1"/>
-          </a:lnRef>
-          <a:fillRef idx="3">
-            <a:schemeClr val="accent1"/>
-          </a:fillRef>
-          <a:effectRef idx="2">
-            <a:schemeClr val="accent1"/>
-          </a:effectRef>
-          <a:fontRef idx="minor">
-            <a:schemeClr val="lt1"/>
-          </a:fontRef>
-        </p:style>
-        <p:txBody>
-          <a:bodyPr rtlCol="0" anchor="ctr"/>
-          <a:lstStyle/>
-          <a:p>
-            <a:pPr algn="ctr"/>
-            <a:r>
-              <a:rPr lang="en-US" dirty="0" smtClean="0"/>
-              <a:t>Secondary</a:t>
-            </a:r>
-          </a:p>
-          <a:p>
-            <a:pPr algn="ctr"/>
-            <a:r>
-              <a:rPr lang="en-US" dirty="0" err="1" smtClean="0"/>
-              <a:t>NameNode</a:t>
-            </a:r>
-            <a:endParaRPr lang="en-US" dirty="0"/>
-          </a:p>
-        </p:txBody>
-      </p:sp>
-      <p:cxnSp>
-        <p:nvCxnSpPr>
-          <p:cNvPr id="13" name="Straight Arrow Connector 12"/>
-          <p:cNvCxnSpPr>
-            <a:stCxn id="6" idx="3"/>
-            <a:endCxn id="11" idx="1"/>
-          </p:cNvCxnSpPr>
-          <p:nvPr/>
-        </p:nvCxnSpPr>
-        <p:spPr>
-          <a:xfrm>
-            <a:off x="5770981" y="2560964"/>
-            <a:ext cx="1392103" cy="0"/>
-          </a:xfrm>
-          <a:prstGeom prst="straightConnector1">
-            <a:avLst/>
-          </a:prstGeom>
-          <a:ln>
-            <a:headEnd type="arrow"/>
-            <a:tailEnd type="arrow"/>
-          </a:ln>
-        </p:spPr>
-        <p:style>
-          <a:lnRef idx="2">
-            <a:schemeClr val="accent1"/>
-          </a:lnRef>
-          <a:fillRef idx="0">
-            <a:schemeClr val="accent1"/>
-          </a:fillRef>
-          <a:effectRef idx="1">
-            <a:schemeClr val="accent1"/>
-          </a:effectRef>
-          <a:fontRef idx="minor">
-            <a:schemeClr val="tx1"/>
-          </a:fontRef>
-        </p:style>
-      </p:cxnSp>
-      <p:cxnSp>
-        <p:nvCxnSpPr>
-          <p:cNvPr id="14" name="Straight Arrow Connector 13"/>
-          <p:cNvCxnSpPr>
-            <a:stCxn id="6" idx="2"/>
-            <a:endCxn id="7" idx="0"/>
-          </p:cNvCxnSpPr>
-          <p:nvPr/>
-        </p:nvCxnSpPr>
-        <p:spPr>
-          <a:xfrm flipH="1">
-            <a:off x="2388242" y="3202931"/>
-            <a:ext cx="2671789" cy="953133"/>
-          </a:xfrm>
-          <a:prstGeom prst="straightConnector1">
-            <a:avLst/>
-          </a:prstGeom>
-          <a:ln>
-            <a:headEnd type="arrow"/>
-            <a:tailEnd type="arrow"/>
-          </a:ln>
-        </p:spPr>
-        <p:style>
-          <a:lnRef idx="2">
-            <a:schemeClr val="accent1"/>
-          </a:lnRef>
-          <a:fillRef idx="0">
-            <a:schemeClr val="accent1"/>
-          </a:fillRef>
-          <a:effectRef idx="1">
-            <a:schemeClr val="accent1"/>
-          </a:effectRef>
-          <a:fontRef idx="minor">
-            <a:schemeClr val="tx1"/>
-          </a:fontRef>
-        </p:style>
-      </p:cxnSp>
-      <p:cxnSp>
-        <p:nvCxnSpPr>
-          <p:cNvPr id="17" name="Straight Arrow Connector 16"/>
-          <p:cNvCxnSpPr>
-            <a:stCxn id="6" idx="2"/>
-            <a:endCxn id="8" idx="0"/>
-          </p:cNvCxnSpPr>
-          <p:nvPr/>
-        </p:nvCxnSpPr>
-        <p:spPr>
-          <a:xfrm flipH="1">
-            <a:off x="4216840" y="3202931"/>
-            <a:ext cx="843191" cy="953133"/>
-          </a:xfrm>
-          <a:prstGeom prst="straightConnector1">
-            <a:avLst/>
-          </a:prstGeom>
-          <a:ln>
-            <a:headEnd type="arrow"/>
-            <a:tailEnd type="arrow"/>
-          </a:ln>
-        </p:spPr>
-        <p:style>
-          <a:lnRef idx="2">
-            <a:schemeClr val="accent1"/>
-          </a:lnRef>
-          <a:fillRef idx="0">
-            <a:schemeClr val="accent1"/>
-          </a:fillRef>
-          <a:effectRef idx="1">
-            <a:schemeClr val="accent1"/>
-          </a:effectRef>
-          <a:fontRef idx="minor">
-            <a:schemeClr val="tx1"/>
-          </a:fontRef>
-        </p:style>
-      </p:cxnSp>
-      <p:cxnSp>
-        <p:nvCxnSpPr>
-          <p:cNvPr id="20" name="Straight Arrow Connector 19"/>
-          <p:cNvCxnSpPr>
-            <a:stCxn id="6" idx="2"/>
-            <a:endCxn id="9" idx="0"/>
-          </p:cNvCxnSpPr>
-          <p:nvPr/>
-        </p:nvCxnSpPr>
-        <p:spPr>
-          <a:xfrm>
-            <a:off x="5060031" y="3202931"/>
-            <a:ext cx="985407" cy="953133"/>
-          </a:xfrm>
-          <a:prstGeom prst="straightConnector1">
-            <a:avLst/>
-          </a:prstGeom>
-          <a:ln>
-            <a:headEnd type="arrow"/>
-            <a:tailEnd type="arrow"/>
-          </a:ln>
-        </p:spPr>
-        <p:style>
-          <a:lnRef idx="2">
-            <a:schemeClr val="accent1"/>
-          </a:lnRef>
-          <a:fillRef idx="0">
-            <a:schemeClr val="accent1"/>
-          </a:fillRef>
-          <a:effectRef idx="1">
-            <a:schemeClr val="accent1"/>
-          </a:effectRef>
-          <a:fontRef idx="minor">
-            <a:schemeClr val="tx1"/>
-          </a:fontRef>
-        </p:style>
-      </p:cxnSp>
-      <p:cxnSp>
-        <p:nvCxnSpPr>
-          <p:cNvPr id="24" name="Straight Arrow Connector 23"/>
-          <p:cNvCxnSpPr>
-            <a:stCxn id="6" idx="2"/>
-            <a:endCxn id="10" idx="0"/>
-          </p:cNvCxnSpPr>
-          <p:nvPr/>
-        </p:nvCxnSpPr>
-        <p:spPr>
-          <a:xfrm>
-            <a:off x="5060031" y="3202931"/>
-            <a:ext cx="2814005" cy="953133"/>
-          </a:xfrm>
-          <a:prstGeom prst="straightConnector1">
-            <a:avLst/>
-          </a:prstGeom>
-          <a:ln>
-            <a:headEnd type="arrow"/>
-            <a:tailEnd type="arrow"/>
-          </a:ln>
-        </p:spPr>
-        <p:style>
-          <a:lnRef idx="2">
-            <a:schemeClr val="accent1"/>
-          </a:lnRef>
-          <a:fillRef idx="0">
-            <a:schemeClr val="accent1"/>
-          </a:fillRef>
-          <a:effectRef idx="1">
-            <a:schemeClr val="accent1"/>
-          </a:effectRef>
-          <a:fontRef idx="minor">
-            <a:schemeClr val="tx1"/>
-          </a:fontRef>
-        </p:style>
-      </p:cxnSp>
-      <p:cxnSp>
-        <p:nvCxnSpPr>
-          <p:cNvPr id="27" name="Straight Arrow Connector 26"/>
-          <p:cNvCxnSpPr>
-            <a:stCxn id="5" idx="3"/>
-            <a:endCxn id="6" idx="1"/>
-          </p:cNvCxnSpPr>
-          <p:nvPr/>
-        </p:nvCxnSpPr>
-        <p:spPr>
-          <a:xfrm>
-            <a:off x="2388242" y="2560964"/>
-            <a:ext cx="1960838" cy="0"/>
-          </a:xfrm>
-          <a:prstGeom prst="straightConnector1">
-            <a:avLst/>
-          </a:prstGeom>
-          <a:ln>
-            <a:headEnd type="arrow"/>
-            <a:tailEnd type="arrow"/>
-          </a:ln>
-        </p:spPr>
-        <p:style>
-          <a:lnRef idx="2">
-            <a:schemeClr val="accent1"/>
-          </a:lnRef>
-          <a:fillRef idx="0">
-            <a:schemeClr val="accent1"/>
-          </a:fillRef>
-          <a:effectRef idx="1">
-            <a:schemeClr val="accent1"/>
-          </a:effectRef>
-          <a:fontRef idx="minor">
-            <a:schemeClr val="tx1"/>
-          </a:fontRef>
-        </p:style>
-      </p:cxnSp>
-      <p:cxnSp>
-        <p:nvCxnSpPr>
-          <p:cNvPr id="30" name="Straight Arrow Connector 29"/>
-          <p:cNvCxnSpPr>
-            <a:endCxn id="7" idx="0"/>
-          </p:cNvCxnSpPr>
-          <p:nvPr/>
-        </p:nvCxnSpPr>
-        <p:spPr>
-          <a:xfrm>
-            <a:off x="1808438" y="3202932"/>
-            <a:ext cx="579804" cy="953132"/>
-          </a:xfrm>
-          <a:prstGeom prst="straightConnector1">
-            <a:avLst/>
-          </a:prstGeom>
-          <a:ln>
-            <a:headEnd type="arrow"/>
-            <a:tailEnd type="arrow"/>
-          </a:ln>
-        </p:spPr>
-        <p:style>
-          <a:lnRef idx="2">
-            <a:schemeClr val="accent1"/>
-          </a:lnRef>
-          <a:fillRef idx="0">
-            <a:schemeClr val="accent1"/>
-          </a:fillRef>
-          <a:effectRef idx="1">
-            <a:schemeClr val="accent1"/>
-          </a:effectRef>
-          <a:fontRef idx="minor">
-            <a:schemeClr val="tx1"/>
-          </a:fontRef>
-        </p:style>
-      </p:cxnSp>
-      <p:cxnSp>
-        <p:nvCxnSpPr>
-          <p:cNvPr id="33" name="Straight Arrow Connector 32"/>
-          <p:cNvCxnSpPr>
-            <a:stCxn id="5" idx="2"/>
-            <a:endCxn id="9" idx="0"/>
-          </p:cNvCxnSpPr>
-          <p:nvPr/>
-        </p:nvCxnSpPr>
-        <p:spPr>
-          <a:xfrm>
-            <a:off x="1677292" y="3202931"/>
-            <a:ext cx="4368146" cy="953133"/>
-          </a:xfrm>
-          <a:prstGeom prst="straightConnector1">
-            <a:avLst/>
-          </a:prstGeom>
-          <a:ln>
-            <a:headEnd type="arrow"/>
-            <a:tailEnd type="arrow"/>
-          </a:ln>
-        </p:spPr>
-        <p:style>
-          <a:lnRef idx="2">
-            <a:schemeClr val="accent1"/>
-          </a:lnRef>
-          <a:fillRef idx="0">
-            <a:schemeClr val="accent1"/>
-          </a:fillRef>
-          <a:effectRef idx="1">
-            <a:schemeClr val="accent1"/>
-          </a:effectRef>
-          <a:fontRef idx="minor">
-            <a:schemeClr val="tx1"/>
-          </a:fontRef>
-        </p:style>
-      </p:cxnSp>
-      <p:sp>
-        <p:nvSpPr>
-          <p:cNvPr id="37" name="TextBox 36"/>
-          <p:cNvSpPr txBox="1"/>
-          <p:nvPr/>
-        </p:nvSpPr>
-        <p:spPr>
-          <a:xfrm>
-            <a:off x="2843803" y="2277944"/>
-            <a:ext cx="890012" cy="307777"/>
-          </a:xfrm>
-          <a:prstGeom prst="rect">
-            <a:avLst/>
-          </a:prstGeom>
-          <a:noFill/>
-        </p:spPr>
-        <p:txBody>
-          <a:bodyPr wrap="none" rtlCol="0">
-            <a:spAutoFit/>
-          </a:bodyPr>
-          <a:lstStyle/>
-          <a:p>
-            <a:r>
-              <a:rPr lang="en-US" sz="1400" dirty="0" smtClean="0"/>
-              <a:t>metadata</a:t>
-            </a:r>
-            <a:endParaRPr lang="en-US" sz="1400" dirty="0"/>
-          </a:p>
-        </p:txBody>
-      </p:sp>
-      <p:sp>
-        <p:nvSpPr>
-          <p:cNvPr id="38" name="TextBox 37"/>
-          <p:cNvSpPr txBox="1"/>
-          <p:nvPr/>
-        </p:nvSpPr>
-        <p:spPr>
-          <a:xfrm>
-            <a:off x="5937596" y="2277944"/>
-            <a:ext cx="986443" cy="307777"/>
-          </a:xfrm>
-          <a:prstGeom prst="rect">
-            <a:avLst/>
-          </a:prstGeom>
-          <a:noFill/>
-        </p:spPr>
-        <p:txBody>
-          <a:bodyPr wrap="none" rtlCol="0">
-            <a:spAutoFit/>
-          </a:bodyPr>
-          <a:lstStyle/>
-          <a:p>
-            <a:r>
-              <a:rPr lang="en-US" sz="1400" dirty="0" smtClean="0"/>
-              <a:t>checkpoint</a:t>
-            </a:r>
-            <a:endParaRPr lang="en-US" sz="1400" dirty="0"/>
-          </a:p>
-        </p:txBody>
-      </p:sp>
-      <p:sp>
-        <p:nvSpPr>
-          <p:cNvPr id="39" name="TextBox 38"/>
-          <p:cNvSpPr txBox="1"/>
-          <p:nvPr/>
-        </p:nvSpPr>
-        <p:spPr>
-          <a:xfrm>
-            <a:off x="1677291" y="3389016"/>
-            <a:ext cx="1035447" cy="307777"/>
-          </a:xfrm>
-          <a:prstGeom prst="rect">
-            <a:avLst/>
-          </a:prstGeom>
-          <a:noFill/>
-        </p:spPr>
-        <p:txBody>
-          <a:bodyPr wrap="none" rtlCol="0">
-            <a:spAutoFit/>
-          </a:bodyPr>
-          <a:lstStyle/>
-          <a:p>
-            <a:r>
-              <a:rPr lang="en-US" sz="1400" dirty="0" smtClean="0"/>
-              <a:t>Data access</a:t>
-            </a:r>
-            <a:endParaRPr lang="en-US" sz="1400" dirty="0"/>
+              <a:t>Hadoop</a:t>
+            </a:r>
+            <a:endParaRPr lang="en-US" dirty="0" smtClean="0"/>
+          </a:p>
+          <a:p>
+            <a:r>
+              <a:rPr lang="en-US" dirty="0" smtClean="0"/>
+              <a:t>HDFS</a:t>
+            </a:r>
+          </a:p>
+          <a:p>
+            <a:r>
+              <a:rPr lang="en-US" dirty="0" smtClean="0"/>
+              <a:t>Yarn</a:t>
+            </a:r>
           </a:p>
         </p:txBody>
       </p:sp>
     </p:spTree>
     <p:extLst>
       <p:ext uri="{BB962C8B-B14F-4D97-AF65-F5344CB8AC3E}">
-        <p14:creationId xmlns:p14="http://schemas.microsoft.com/office/powerpoint/2010/main" val="165395602"/>
+        <p14:creationId xmlns:p14="http://schemas.microsoft.com/office/powerpoint/2010/main" val="805359489"/>
       </p:ext>
     </p:extLst>
   </p:cSld>
@@ -5442,288 +4792,16 @@
           <a:p>
             <a:r>
               <a:rPr lang="en-US" dirty="0" smtClean="0"/>
-              <a:t>HDFS inspiration	</a:t>
+              <a:t>Questions?</a:t>
             </a:r>
             <a:endParaRPr lang="en-US" dirty="0"/>
           </a:p>
         </p:txBody>
       </p:sp>
-      <p:sp>
-        <p:nvSpPr>
-          <p:cNvPr id="3" name="Content Placeholder 2"/>
-          <p:cNvSpPr>
-            <a:spLocks noGrp="1"/>
-          </p:cNvSpPr>
-          <p:nvPr>
-            <p:ph idx="1"/>
-          </p:nvPr>
-        </p:nvSpPr>
-        <p:spPr/>
-        <p:txBody>
-          <a:bodyPr/>
-          <a:lstStyle/>
-          <a:p>
-            <a:r>
-              <a:rPr lang="en-US" dirty="0" smtClean="0"/>
-              <a:t>Google File System</a:t>
-            </a:r>
-          </a:p>
-          <a:p>
-            <a:pPr lvl="1"/>
-            <a:r>
-              <a:rPr lang="en-US" sz="1600" dirty="0"/>
-              <a:t>Sanjay </a:t>
-            </a:r>
-            <a:r>
-              <a:rPr lang="en-US" sz="1600" dirty="0" err="1"/>
-              <a:t>Ghemawat</a:t>
-            </a:r>
-            <a:r>
-              <a:rPr lang="en-US" sz="1600" dirty="0"/>
-              <a:t>, Howard </a:t>
-            </a:r>
-            <a:r>
-              <a:rPr lang="en-US" sz="1600" dirty="0" err="1"/>
-              <a:t>Gobioff</a:t>
-            </a:r>
-            <a:r>
-              <a:rPr lang="en-US" sz="1600" dirty="0"/>
-              <a:t>, and Shun-</a:t>
-            </a:r>
-            <a:r>
-              <a:rPr lang="en-US" sz="1600" dirty="0" err="1"/>
-              <a:t>Tak</a:t>
-            </a:r>
-            <a:r>
-              <a:rPr lang="en-US" sz="1600" dirty="0"/>
-              <a:t> Leung. 2003. The Google file system. In Proceedings of the nineteenth ACM symposium on Operating systems principles (SOSP '03). ACM, New York, NY, USA, 29-43. </a:t>
-            </a:r>
-          </a:p>
-        </p:txBody>
-      </p:sp>
-      <p:pic>
-        <p:nvPicPr>
-          <p:cNvPr id="4" name="Picture 3"/>
-          <p:cNvPicPr>
-            <a:picLocks noChangeAspect="1"/>
-          </p:cNvPicPr>
-          <p:nvPr/>
-        </p:nvPicPr>
-        <p:blipFill>
-          <a:blip r:embed="rId2"/>
-          <a:stretch>
-            <a:fillRect/>
-          </a:stretch>
-        </p:blipFill>
-        <p:spPr>
-          <a:xfrm>
-            <a:off x="2056926" y="2936099"/>
-            <a:ext cx="4878295" cy="2964376"/>
-          </a:xfrm>
-          <a:prstGeom prst="rect">
-            <a:avLst/>
-          </a:prstGeom>
-        </p:spPr>
-      </p:pic>
     </p:spTree>
     <p:extLst>
       <p:ext uri="{BB962C8B-B14F-4D97-AF65-F5344CB8AC3E}">
-        <p14:creationId xmlns:p14="http://schemas.microsoft.com/office/powerpoint/2010/main" val="2506054683"/>
-      </p:ext>
-    </p:extLst>
-  </p:cSld>
-  <p:clrMapOvr>
-    <a:masterClrMapping/>
-  </p:clrMapOvr>
-</p:sld>
-</file>
-
-<file path=ppt/slides/slide18.xml><?xml version="1.0" encoding="utf-8"?>
-<p:sld xmlns:a="http://schemas.openxmlformats.org/drawingml/2006/main" xmlns:r="http://schemas.openxmlformats.org/officeDocument/2006/relationships" xmlns:p="http://schemas.openxmlformats.org/presentationml/2006/main">
-  <p:cSld>
-    <p:spTree>
-      <p:nvGrpSpPr>
-        <p:cNvPr id="1" name=""/>
-        <p:cNvGrpSpPr/>
-        <p:nvPr/>
-      </p:nvGrpSpPr>
-      <p:grpSpPr>
-        <a:xfrm>
-          <a:off x="0" y="0"/>
-          <a:ext cx="0" cy="0"/>
-          <a:chOff x="0" y="0"/>
-          <a:chExt cx="0" cy="0"/>
-        </a:xfrm>
-      </p:grpSpPr>
-      <p:sp>
-        <p:nvSpPr>
-          <p:cNvPr id="2" name="Title 1"/>
-          <p:cNvSpPr>
-            <a:spLocks noGrp="1"/>
-          </p:cNvSpPr>
-          <p:nvPr>
-            <p:ph type="title"/>
-          </p:nvPr>
-        </p:nvSpPr>
-        <p:spPr/>
-        <p:txBody>
-          <a:bodyPr/>
-          <a:lstStyle/>
-          <a:p>
-            <a:r>
-              <a:rPr lang="en-US" dirty="0" smtClean="0"/>
-              <a:t>HDFS overview</a:t>
-            </a:r>
-            <a:endParaRPr lang="en-US" dirty="0"/>
-          </a:p>
-        </p:txBody>
-      </p:sp>
-      <p:sp>
-        <p:nvSpPr>
-          <p:cNvPr id="3" name="Content Placeholder 2"/>
-          <p:cNvSpPr>
-            <a:spLocks noGrp="1"/>
-          </p:cNvSpPr>
-          <p:nvPr>
-            <p:ph idx="1"/>
-          </p:nvPr>
-        </p:nvSpPr>
-        <p:spPr/>
-        <p:txBody>
-          <a:bodyPr>
-            <a:normAutofit lnSpcReduction="10000"/>
-          </a:bodyPr>
-          <a:lstStyle/>
-          <a:p>
-            <a:r>
-              <a:rPr lang="en-US" dirty="0" smtClean="0"/>
-              <a:t>Good for streaming access to large files, reliability, scale</a:t>
-            </a:r>
-          </a:p>
-          <a:p>
-            <a:r>
-              <a:rPr lang="en-US" dirty="0" smtClean="0"/>
-              <a:t>Not good for random access, small files</a:t>
-            </a:r>
-          </a:p>
-          <a:p>
-            <a:r>
-              <a:rPr lang="en-US" dirty="0" smtClean="0"/>
-              <a:t>Blocks of data 64Mb in size (configurable)</a:t>
-            </a:r>
-          </a:p>
-          <a:p>
-            <a:r>
-              <a:rPr lang="en-US" dirty="0" smtClean="0"/>
-              <a:t>Each block can be replicated across multiple data nodes for High Availability (HA)</a:t>
-            </a:r>
-            <a:endParaRPr lang="en-US" dirty="0"/>
-          </a:p>
-        </p:txBody>
-      </p:sp>
-    </p:spTree>
-    <p:extLst>
-      <p:ext uri="{BB962C8B-B14F-4D97-AF65-F5344CB8AC3E}">
-        <p14:creationId xmlns:p14="http://schemas.microsoft.com/office/powerpoint/2010/main" val="2815944417"/>
-      </p:ext>
-    </p:extLst>
-  </p:cSld>
-  <p:clrMapOvr>
-    <a:masterClrMapping/>
-  </p:clrMapOvr>
-</p:sld>
-</file>
-
-<file path=ppt/slides/slide19.xml><?xml version="1.0" encoding="utf-8"?>
-<p:sld xmlns:a="http://schemas.openxmlformats.org/drawingml/2006/main" xmlns:r="http://schemas.openxmlformats.org/officeDocument/2006/relationships" xmlns:p="http://schemas.openxmlformats.org/presentationml/2006/main">
-  <p:cSld>
-    <p:spTree>
-      <p:nvGrpSpPr>
-        <p:cNvPr id="1" name=""/>
-        <p:cNvGrpSpPr/>
-        <p:nvPr/>
-      </p:nvGrpSpPr>
-      <p:grpSpPr>
-        <a:xfrm>
-          <a:off x="0" y="0"/>
-          <a:ext cx="0" cy="0"/>
-          <a:chOff x="0" y="0"/>
-          <a:chExt cx="0" cy="0"/>
-        </a:xfrm>
-      </p:grpSpPr>
-      <p:sp>
-        <p:nvSpPr>
-          <p:cNvPr id="2" name="Title 1"/>
-          <p:cNvSpPr>
-            <a:spLocks noGrp="1"/>
-          </p:cNvSpPr>
-          <p:nvPr>
-            <p:ph type="title"/>
-          </p:nvPr>
-        </p:nvSpPr>
-        <p:spPr/>
-        <p:txBody>
-          <a:bodyPr/>
-          <a:lstStyle/>
-          <a:p>
-            <a:r>
-              <a:rPr lang="en-US" dirty="0" smtClean="0"/>
-              <a:t>Summary</a:t>
-            </a:r>
-            <a:endParaRPr lang="en-US" dirty="0"/>
-          </a:p>
-        </p:txBody>
-      </p:sp>
-      <p:sp>
-        <p:nvSpPr>
-          <p:cNvPr id="3" name="Content Placeholder 2"/>
-          <p:cNvSpPr>
-            <a:spLocks noGrp="1"/>
-          </p:cNvSpPr>
-          <p:nvPr>
-            <p:ph idx="1"/>
-          </p:nvPr>
-        </p:nvSpPr>
-        <p:spPr/>
-        <p:txBody>
-          <a:bodyPr/>
-          <a:lstStyle/>
-          <a:p>
-            <a:r>
-              <a:rPr lang="en-US" dirty="0" smtClean="0"/>
-              <a:t>Understanding the Map Reduce Model</a:t>
-            </a:r>
-          </a:p>
-          <a:p>
-            <a:r>
-              <a:rPr lang="en-US" dirty="0" smtClean="0"/>
-              <a:t>How is it implemented in </a:t>
-            </a:r>
-            <a:r>
-              <a:rPr lang="en-US" dirty="0" err="1" smtClean="0"/>
-              <a:t>Hadoop</a:t>
-            </a:r>
-            <a:endParaRPr lang="en-US" dirty="0" smtClean="0"/>
-          </a:p>
-          <a:p>
-            <a:r>
-              <a:rPr lang="en-US" dirty="0" smtClean="0"/>
-              <a:t>HDFS</a:t>
-            </a:r>
-          </a:p>
-          <a:p>
-            <a:r>
-              <a:rPr lang="en-US" dirty="0" smtClean="0"/>
-              <a:t>Yarn</a:t>
-            </a:r>
-            <a:endParaRPr lang="en-US" dirty="0" smtClean="0"/>
-          </a:p>
-        </p:txBody>
-      </p:sp>
-    </p:spTree>
-    <p:extLst>
-      <p:ext uri="{BB962C8B-B14F-4D97-AF65-F5344CB8AC3E}">
-        <p14:creationId xmlns:p14="http://schemas.microsoft.com/office/powerpoint/2010/main" val="805359489"/>
+        <p14:creationId xmlns:p14="http://schemas.microsoft.com/office/powerpoint/2010/main" val="973082986"/>
       </p:ext>
     </p:extLst>
   </p:cSld>
@@ -5996,557 +5074,6 @@
       </p:par>
     </p:tnLst>
   </p:timing>
-</p:sld>
-</file>
-
-<file path=ppt/slides/slide20.xml><?xml version="1.0" encoding="utf-8"?>
-<p:sld xmlns:a="http://schemas.openxmlformats.org/drawingml/2006/main" xmlns:r="http://schemas.openxmlformats.org/officeDocument/2006/relationships" xmlns:p="http://schemas.openxmlformats.org/presentationml/2006/main">
-  <p:cSld>
-    <p:spTree>
-      <p:nvGrpSpPr>
-        <p:cNvPr id="1" name=""/>
-        <p:cNvGrpSpPr/>
-        <p:nvPr/>
-      </p:nvGrpSpPr>
-      <p:grpSpPr>
-        <a:xfrm>
-          <a:off x="0" y="0"/>
-          <a:ext cx="0" cy="0"/>
-          <a:chOff x="0" y="0"/>
-          <a:chExt cx="0" cy="0"/>
-        </a:xfrm>
-      </p:grpSpPr>
-      <p:sp>
-        <p:nvSpPr>
-          <p:cNvPr id="2" name="Title 1"/>
-          <p:cNvSpPr>
-            <a:spLocks noGrp="1"/>
-          </p:cNvSpPr>
-          <p:nvPr>
-            <p:ph type="title"/>
-          </p:nvPr>
-        </p:nvSpPr>
-        <p:spPr/>
-        <p:txBody>
-          <a:bodyPr/>
-          <a:lstStyle/>
-          <a:p>
-            <a:r>
-              <a:rPr lang="en-US" dirty="0" smtClean="0"/>
-              <a:t>Questions?</a:t>
-            </a:r>
-            <a:endParaRPr lang="en-US" dirty="0"/>
-          </a:p>
-        </p:txBody>
-      </p:sp>
-    </p:spTree>
-    <p:extLst>
-      <p:ext uri="{BB962C8B-B14F-4D97-AF65-F5344CB8AC3E}">
-        <p14:creationId xmlns:p14="http://schemas.microsoft.com/office/powerpoint/2010/main" val="973082986"/>
-      </p:ext>
-    </p:extLst>
-  </p:cSld>
-  <p:clrMapOvr>
-    <a:masterClrMapping/>
-  </p:clrMapOvr>
-</p:sld>
-</file>
-
-<file path=ppt/slides/slide21.xml><?xml version="1.0" encoding="utf-8"?>
-<p:sld xmlns:a="http://schemas.openxmlformats.org/drawingml/2006/main" xmlns:r="http://schemas.openxmlformats.org/officeDocument/2006/relationships" xmlns:p="http://schemas.openxmlformats.org/presentationml/2006/main">
-  <p:cSld>
-    <p:spTree>
-      <p:nvGrpSpPr>
-        <p:cNvPr id="1" name=""/>
-        <p:cNvGrpSpPr/>
-        <p:nvPr/>
-      </p:nvGrpSpPr>
-      <p:grpSpPr>
-        <a:xfrm>
-          <a:off x="0" y="0"/>
-          <a:ext cx="0" cy="0"/>
-          <a:chOff x="0" y="0"/>
-          <a:chExt cx="0" cy="0"/>
-        </a:xfrm>
-      </p:grpSpPr>
-      <p:sp>
-        <p:nvSpPr>
-          <p:cNvPr id="2" name="Title 1"/>
-          <p:cNvSpPr>
-            <a:spLocks noGrp="1"/>
-          </p:cNvSpPr>
-          <p:nvPr>
-            <p:ph type="title"/>
-          </p:nvPr>
-        </p:nvSpPr>
-        <p:spPr/>
-        <p:txBody>
-          <a:bodyPr/>
-          <a:lstStyle/>
-          <a:p>
-            <a:r>
-              <a:rPr lang="en-US" dirty="0" smtClean="0"/>
-              <a:t>HDFS Usage</a:t>
-            </a:r>
-            <a:endParaRPr lang="en-US" dirty="0"/>
-          </a:p>
-        </p:txBody>
-      </p:sp>
-      <p:sp>
-        <p:nvSpPr>
-          <p:cNvPr id="3" name="Content Placeholder 2"/>
-          <p:cNvSpPr>
-            <a:spLocks noGrp="1"/>
-          </p:cNvSpPr>
-          <p:nvPr>
-            <p:ph idx="1"/>
-          </p:nvPr>
-        </p:nvSpPr>
-        <p:spPr/>
-        <p:txBody>
-          <a:bodyPr>
-            <a:normAutofit/>
-          </a:bodyPr>
-          <a:lstStyle/>
-          <a:p>
-            <a:r>
-              <a:rPr lang="en-US" dirty="0" err="1" smtClean="0"/>
-              <a:t>Spotify</a:t>
-            </a:r>
-            <a:r>
-              <a:rPr lang="en-US" dirty="0" smtClean="0"/>
-              <a:t> has 1600+ nodes, storing 60+ petabytes of data</a:t>
-            </a:r>
-          </a:p>
-          <a:p>
-            <a:pPr lvl="1"/>
-            <a:r>
-              <a:rPr lang="en-US" sz="1700" dirty="0"/>
-              <a:t>https://</a:t>
-            </a:r>
-            <a:r>
-              <a:rPr lang="en-US" sz="1700" dirty="0" err="1"/>
-              <a:t>www.usenix.org</a:t>
-            </a:r>
-            <a:r>
-              <a:rPr lang="en-US" sz="1700" dirty="0"/>
-              <a:t>/system/files/conference/fast17/fast17-</a:t>
-            </a:r>
-            <a:r>
-              <a:rPr lang="en-US" sz="1700" dirty="0" smtClean="0"/>
-              <a:t>niazi.pdf</a:t>
-            </a:r>
-            <a:endParaRPr lang="en-US" dirty="0" smtClean="0"/>
-          </a:p>
-          <a:p>
-            <a:r>
-              <a:rPr lang="en-US" dirty="0" smtClean="0"/>
-              <a:t>One </a:t>
-            </a:r>
-            <a:r>
-              <a:rPr lang="en-US" dirty="0"/>
-              <a:t>of the Facebook's largest clusters </a:t>
-            </a:r>
-            <a:r>
-              <a:rPr lang="en-US" dirty="0" smtClean="0"/>
-              <a:t>(based on HDFS) holds more </a:t>
-            </a:r>
-            <a:r>
-              <a:rPr lang="en-US" dirty="0"/>
-              <a:t>than </a:t>
-            </a:r>
-            <a:br>
-              <a:rPr lang="en-US" dirty="0"/>
-            </a:br>
-            <a:r>
-              <a:rPr lang="en-US" dirty="0" smtClean="0"/>
-              <a:t>100 </a:t>
-            </a:r>
-            <a:r>
-              <a:rPr lang="en-US" dirty="0"/>
-              <a:t>PB of data, processing more than 60,000 </a:t>
-            </a:r>
-            <a:r>
-              <a:rPr lang="en-US" dirty="0" smtClean="0"/>
-              <a:t>Hive queries </a:t>
-            </a:r>
-            <a:r>
-              <a:rPr lang="en-US" dirty="0"/>
-              <a:t>a </a:t>
-            </a:r>
-            <a:r>
-              <a:rPr lang="en-US" dirty="0" smtClean="0"/>
-              <a:t>day</a:t>
-            </a:r>
-          </a:p>
-          <a:p>
-            <a:pPr lvl="1"/>
-            <a:r>
-              <a:rPr lang="en-US" sz="1700" dirty="0"/>
-              <a:t>https://</a:t>
-            </a:r>
-            <a:r>
-              <a:rPr lang="en-US" sz="1700" dirty="0" err="1"/>
-              <a:t>www.facebook.com</a:t>
-            </a:r>
-            <a:r>
-              <a:rPr lang="en-US" sz="1700" dirty="0"/>
-              <a:t>/notes/</a:t>
-            </a:r>
-            <a:r>
-              <a:rPr lang="en-US" sz="1700" dirty="0" err="1"/>
-              <a:t>facebook</a:t>
-            </a:r>
-            <a:r>
-              <a:rPr lang="en-US" sz="1700" dirty="0"/>
-              <a:t>-engineering/under-the-hood-scheduling-mapreduce-jobs-more-efficiently-with-corona</a:t>
-            </a:r>
-            <a:r>
-              <a:rPr lang="en-US" sz="1700" dirty="0" smtClean="0"/>
-              <a:t>/</a:t>
-            </a:r>
-            <a:endParaRPr lang="en-US" sz="1900" dirty="0"/>
-          </a:p>
-          <a:p>
-            <a:endParaRPr lang="en-US" dirty="0" smtClean="0"/>
-          </a:p>
-          <a:p>
-            <a:endParaRPr lang="en-US" dirty="0"/>
-          </a:p>
-        </p:txBody>
-      </p:sp>
-    </p:spTree>
-    <p:extLst>
-      <p:ext uri="{BB962C8B-B14F-4D97-AF65-F5344CB8AC3E}">
-        <p14:creationId xmlns:p14="http://schemas.microsoft.com/office/powerpoint/2010/main" val="951714023"/>
-      </p:ext>
-    </p:extLst>
-  </p:cSld>
-  <p:clrMapOvr>
-    <a:masterClrMapping/>
-  </p:clrMapOvr>
-</p:sld>
-</file>
-
-<file path=ppt/slides/slide22.xml><?xml version="1.0" encoding="utf-8"?>
-<p:sld xmlns:a="http://schemas.openxmlformats.org/drawingml/2006/main" xmlns:r="http://schemas.openxmlformats.org/officeDocument/2006/relationships" xmlns:p="http://schemas.openxmlformats.org/presentationml/2006/main">
-  <p:cSld>
-    <p:spTree>
-      <p:nvGrpSpPr>
-        <p:cNvPr id="1" name=""/>
-        <p:cNvGrpSpPr/>
-        <p:nvPr/>
-      </p:nvGrpSpPr>
-      <p:grpSpPr>
-        <a:xfrm>
-          <a:off x="0" y="0"/>
-          <a:ext cx="0" cy="0"/>
-          <a:chOff x="0" y="0"/>
-          <a:chExt cx="0" cy="0"/>
-        </a:xfrm>
-      </p:grpSpPr>
-      <p:sp>
-        <p:nvSpPr>
-          <p:cNvPr id="2" name="Title 1"/>
-          <p:cNvSpPr>
-            <a:spLocks noGrp="1"/>
-          </p:cNvSpPr>
-          <p:nvPr>
-            <p:ph type="title"/>
-          </p:nvPr>
-        </p:nvSpPr>
-        <p:spPr/>
-        <p:txBody>
-          <a:bodyPr/>
-          <a:lstStyle/>
-          <a:p>
-            <a:r>
-              <a:rPr lang="en-US" dirty="0" err="1" smtClean="0"/>
-              <a:t>HopFS</a:t>
-            </a:r>
-            <a:endParaRPr lang="en-US" dirty="0"/>
-          </a:p>
-        </p:txBody>
-      </p:sp>
-      <p:sp>
-        <p:nvSpPr>
-          <p:cNvPr id="3" name="Content Placeholder 2"/>
-          <p:cNvSpPr>
-            <a:spLocks noGrp="1"/>
-          </p:cNvSpPr>
-          <p:nvPr>
-            <p:ph idx="1"/>
-          </p:nvPr>
-        </p:nvSpPr>
-        <p:spPr>
-          <a:xfrm>
-            <a:off x="375635" y="1600201"/>
-            <a:ext cx="8229600" cy="1205108"/>
-          </a:xfrm>
-        </p:spPr>
-        <p:txBody>
-          <a:bodyPr/>
-          <a:lstStyle/>
-          <a:p>
-            <a:r>
-              <a:rPr lang="en-US" dirty="0" err="1"/>
-              <a:t>HopFS</a:t>
-            </a:r>
-            <a:r>
-              <a:rPr lang="en-US" dirty="0"/>
-              <a:t> is a drop-in replacement for HDFS, based on HDFS v2.0.4. </a:t>
-            </a:r>
-          </a:p>
-        </p:txBody>
-      </p:sp>
-      <p:pic>
-        <p:nvPicPr>
-          <p:cNvPr id="4" name="Picture 3"/>
-          <p:cNvPicPr>
-            <a:picLocks noChangeAspect="1"/>
-          </p:cNvPicPr>
-          <p:nvPr/>
-        </p:nvPicPr>
-        <p:blipFill>
-          <a:blip r:embed="rId2"/>
-          <a:stretch>
-            <a:fillRect/>
-          </a:stretch>
-        </p:blipFill>
-        <p:spPr>
-          <a:xfrm>
-            <a:off x="265512" y="3000702"/>
-            <a:ext cx="5152508" cy="3791554"/>
-          </a:xfrm>
-          <a:prstGeom prst="rect">
-            <a:avLst/>
-          </a:prstGeom>
-        </p:spPr>
-      </p:pic>
-      <p:pic>
-        <p:nvPicPr>
-          <p:cNvPr id="5" name="Picture 4"/>
-          <p:cNvPicPr>
-            <a:picLocks noChangeAspect="1"/>
-          </p:cNvPicPr>
-          <p:nvPr/>
-        </p:nvPicPr>
-        <p:blipFill>
-          <a:blip r:embed="rId3"/>
-          <a:stretch>
-            <a:fillRect/>
-          </a:stretch>
-        </p:blipFill>
-        <p:spPr>
-          <a:xfrm>
-            <a:off x="5418020" y="3000702"/>
-            <a:ext cx="3739569" cy="2824498"/>
-          </a:xfrm>
-          <a:prstGeom prst="rect">
-            <a:avLst/>
-          </a:prstGeom>
-        </p:spPr>
-      </p:pic>
-    </p:spTree>
-    <p:extLst>
-      <p:ext uri="{BB962C8B-B14F-4D97-AF65-F5344CB8AC3E}">
-        <p14:creationId xmlns:p14="http://schemas.microsoft.com/office/powerpoint/2010/main" val="2777518453"/>
-      </p:ext>
-    </p:extLst>
-  </p:cSld>
-  <p:clrMapOvr>
-    <a:masterClrMapping/>
-  </p:clrMapOvr>
-</p:sld>
-</file>
-
-<file path=ppt/slides/slide23.xml><?xml version="1.0" encoding="utf-8"?>
-<p:sld xmlns:a="http://schemas.openxmlformats.org/drawingml/2006/main" xmlns:r="http://schemas.openxmlformats.org/officeDocument/2006/relationships" xmlns:p="http://schemas.openxmlformats.org/presentationml/2006/main">
-  <p:cSld>
-    <p:spTree>
-      <p:nvGrpSpPr>
-        <p:cNvPr id="1" name=""/>
-        <p:cNvGrpSpPr/>
-        <p:nvPr/>
-      </p:nvGrpSpPr>
-      <p:grpSpPr>
-        <a:xfrm>
-          <a:off x="0" y="0"/>
-          <a:ext cx="0" cy="0"/>
-          <a:chOff x="0" y="0"/>
-          <a:chExt cx="0" cy="0"/>
-        </a:xfrm>
-      </p:grpSpPr>
-      <p:sp>
-        <p:nvSpPr>
-          <p:cNvPr id="2" name="Title 1"/>
-          <p:cNvSpPr>
-            <a:spLocks noGrp="1"/>
-          </p:cNvSpPr>
-          <p:nvPr>
-            <p:ph type="title"/>
-          </p:nvPr>
-        </p:nvSpPr>
-        <p:spPr/>
-        <p:txBody>
-          <a:bodyPr/>
-          <a:lstStyle/>
-          <a:p>
-            <a:r>
-              <a:rPr lang="en-US" dirty="0" smtClean="0"/>
-              <a:t>What is YARN?</a:t>
-            </a:r>
-            <a:endParaRPr lang="en-US" dirty="0"/>
-          </a:p>
-        </p:txBody>
-      </p:sp>
-      <p:sp>
-        <p:nvSpPr>
-          <p:cNvPr id="3" name="Content Placeholder 2"/>
-          <p:cNvSpPr>
-            <a:spLocks noGrp="1"/>
-          </p:cNvSpPr>
-          <p:nvPr>
-            <p:ph idx="1"/>
-          </p:nvPr>
-        </p:nvSpPr>
-        <p:spPr/>
-        <p:txBody>
-          <a:bodyPr/>
-          <a:lstStyle/>
-          <a:p>
-            <a:r>
-              <a:rPr lang="en-US" b="1" dirty="0" smtClean="0"/>
-              <a:t>YARN is the system that runs your code on multiple nodes</a:t>
-            </a:r>
-          </a:p>
-          <a:p>
-            <a:r>
-              <a:rPr lang="en-US" dirty="0" err="1" smtClean="0"/>
-              <a:t>Hadoop</a:t>
-            </a:r>
-            <a:r>
-              <a:rPr lang="en-US" dirty="0" smtClean="0"/>
-              <a:t> 2.0 replacement for the cluster manager</a:t>
-            </a:r>
-          </a:p>
-          <a:p>
-            <a:pPr lvl="1"/>
-            <a:r>
-              <a:rPr lang="en-US" dirty="0" smtClean="0"/>
-              <a:t>Basically a model to distribute and manage workloads</a:t>
-            </a:r>
-          </a:p>
-          <a:p>
-            <a:pPr lvl="1"/>
-            <a:r>
-              <a:rPr lang="en-US" dirty="0" smtClean="0"/>
-              <a:t>Not just </a:t>
-            </a:r>
-            <a:r>
-              <a:rPr lang="en-US" dirty="0" err="1" smtClean="0"/>
-              <a:t>MapReduce</a:t>
-            </a:r>
-            <a:r>
-              <a:rPr lang="en-US" dirty="0" smtClean="0"/>
-              <a:t> but supports other workloads</a:t>
-            </a:r>
-          </a:p>
-          <a:p>
-            <a:pPr marL="457200" lvl="1" indent="0">
-              <a:buNone/>
-            </a:pPr>
-            <a:endParaRPr lang="en-US" dirty="0"/>
-          </a:p>
-        </p:txBody>
-      </p:sp>
-    </p:spTree>
-    <p:extLst>
-      <p:ext uri="{BB962C8B-B14F-4D97-AF65-F5344CB8AC3E}">
-        <p14:creationId xmlns:p14="http://schemas.microsoft.com/office/powerpoint/2010/main" val="1191928125"/>
-      </p:ext>
-    </p:extLst>
-  </p:cSld>
-  <p:clrMapOvr>
-    <a:masterClrMapping/>
-  </p:clrMapOvr>
-</p:sld>
-</file>
-
-<file path=ppt/slides/slide24.xml><?xml version="1.0" encoding="utf-8"?>
-<p:sld xmlns:a="http://schemas.openxmlformats.org/drawingml/2006/main" xmlns:r="http://schemas.openxmlformats.org/officeDocument/2006/relationships" xmlns:p="http://schemas.openxmlformats.org/presentationml/2006/main">
-  <p:cSld>
-    <p:spTree>
-      <p:nvGrpSpPr>
-        <p:cNvPr id="1" name=""/>
-        <p:cNvGrpSpPr/>
-        <p:nvPr/>
-      </p:nvGrpSpPr>
-      <p:grpSpPr>
-        <a:xfrm>
-          <a:off x="0" y="0"/>
-          <a:ext cx="0" cy="0"/>
-          <a:chOff x="0" y="0"/>
-          <a:chExt cx="0" cy="0"/>
-        </a:xfrm>
-      </p:grpSpPr>
-      <p:sp>
-        <p:nvSpPr>
-          <p:cNvPr id="2" name="Title 1"/>
-          <p:cNvSpPr>
-            <a:spLocks noGrp="1"/>
-          </p:cNvSpPr>
-          <p:nvPr>
-            <p:ph type="title"/>
-          </p:nvPr>
-        </p:nvSpPr>
-        <p:spPr/>
-        <p:txBody>
-          <a:bodyPr/>
-          <a:lstStyle/>
-          <a:p>
-            <a:r>
-              <a:rPr lang="en-US" dirty="0" smtClean="0"/>
-              <a:t>YARN architecture</a:t>
-            </a:r>
-            <a:endParaRPr lang="en-US" dirty="0"/>
-          </a:p>
-        </p:txBody>
-      </p:sp>
-      <p:pic>
-        <p:nvPicPr>
-          <p:cNvPr id="4" name="Picture 3"/>
-          <p:cNvPicPr>
-            <a:picLocks noChangeAspect="1"/>
-          </p:cNvPicPr>
-          <p:nvPr/>
-        </p:nvPicPr>
-        <p:blipFill>
-          <a:blip r:embed="rId2"/>
-          <a:stretch>
-            <a:fillRect/>
-          </a:stretch>
-        </p:blipFill>
-        <p:spPr>
-          <a:xfrm>
-            <a:off x="457200" y="1122492"/>
-            <a:ext cx="7665798" cy="4744907"/>
-          </a:xfrm>
-          <a:prstGeom prst="rect">
-            <a:avLst/>
-          </a:prstGeom>
-        </p:spPr>
-      </p:pic>
-    </p:spTree>
-    <p:extLst>
-      <p:ext uri="{BB962C8B-B14F-4D97-AF65-F5344CB8AC3E}">
-        <p14:creationId xmlns:p14="http://schemas.microsoft.com/office/powerpoint/2010/main" val="2382609287"/>
-      </p:ext>
-    </p:extLst>
-  </p:cSld>
-  <p:clrMapOvr>
-    <a:masterClrMapping/>
-  </p:clrMapOvr>
 </p:sld>
 </file>
 
@@ -6775,27 +5302,7 @@
           <a:p>
             <a:r>
               <a:rPr lang="en-US" dirty="0" smtClean="0"/>
-              <a:t>Find </a:t>
-            </a:r>
-            <a:r>
-              <a:rPr lang="en-US" dirty="0" smtClean="0"/>
-              <a:t>a</a:t>
-            </a:r>
-            <a:r>
-              <a:rPr lang="en-US" dirty="0" smtClean="0"/>
-              <a:t> small piece </a:t>
-            </a:r>
-            <a:r>
-              <a:rPr lang="en-US" dirty="0" smtClean="0"/>
-              <a:t>of paper and write your </a:t>
-            </a:r>
-            <a:r>
-              <a:rPr lang="en-US" dirty="0" smtClean="0"/>
-              <a:t>university and </a:t>
-            </a:r>
-            <a:r>
-              <a:rPr lang="en-US" dirty="0" smtClean="0"/>
-              <a:t>day/month of birth on </a:t>
+              <a:t>Find a small piece of paper and write your university and day/month of birth on </a:t>
             </a:r>
             <a:r>
               <a:rPr lang="en-US" b="1" dirty="0" smtClean="0"/>
@@ -6806,11 +5313,7 @@
           <a:p>
             <a:r>
               <a:rPr lang="en-US" dirty="0" smtClean="0"/>
-              <a:t>You don’t need </a:t>
-            </a:r>
-            <a:r>
-              <a:rPr lang="en-US" dirty="0" smtClean="0"/>
-              <a:t>the year</a:t>
+              <a:t>You don’t need the year</a:t>
             </a:r>
             <a:endParaRPr lang="en-US" dirty="0"/>
           </a:p>
@@ -6869,14 +5372,6 @@
                 </a:solidFill>
               </a:rPr>
               <a:t>Portsmouth</a:t>
-            </a:r>
-            <a:r>
-              <a:rPr lang="en-US" sz="3600" dirty="0" smtClean="0">
-                <a:solidFill>
-                  <a:schemeClr val="tx1"/>
-                </a:solidFill>
-              </a:rPr>
-              <a:t/>
             </a:r>
             <a:br>
               <a:rPr lang="en-US" sz="3600" dirty="0" smtClean="0">
@@ -7143,15 +5638,7 @@
           <a:p>
             <a:r>
               <a:rPr lang="en-US" dirty="0" smtClean="0"/>
-              <a:t>Map Reduce </a:t>
-            </a:r>
-            <a:r>
-              <a:rPr lang="en-US" dirty="0" smtClean="0"/>
-              <a:t>example</a:t>
-            </a:r>
-            <a:r>
-              <a:rPr lang="en-US" dirty="0" smtClean="0"/>
-              <a:t/>
+              <a:t>Map Reduce example</a:t>
             </a:r>
             <a:br>
               <a:rPr lang="en-US" dirty="0" smtClean="0"/>
